--- a/Presentations/PPC_Lesson_Enum.pptx
+++ b/Presentations/PPC_Lesson_Enum.pptx
@@ -7,6 +7,11 @@
   <p:sldIdLst>
     <p:sldId id="256" r:id="rId2"/>
     <p:sldId id="258" r:id="rId3"/>
+    <p:sldId id="259" r:id="rId4"/>
+    <p:sldId id="262" r:id="rId5"/>
+    <p:sldId id="263" r:id="rId6"/>
+    <p:sldId id="261" r:id="rId7"/>
+    <p:sldId id="264" r:id="rId8"/>
   </p:sldIdLst>
   <p:sldSz cx="12192000" cy="6858000"/>
   <p:notesSz cx="6858000" cy="9144000"/>
@@ -244,7 +249,7 @@
           <a:p>
             <a:fld id="{F939DB40-1302-41AD-90AD-12D1D5337234}" type="datetimeFigureOut">
               <a:rPr lang="en-US" smtClean="0"/>
-              <a:t>1/5/2016</a:t>
+              <a:t>1/6/2016</a:t>
             </a:fld>
             <a:endParaRPr lang="en-US"/>
           </a:p>
@@ -414,7 +419,7 @@
           <a:p>
             <a:fld id="{F939DB40-1302-41AD-90AD-12D1D5337234}" type="datetimeFigureOut">
               <a:rPr lang="en-US" smtClean="0"/>
-              <a:t>1/5/2016</a:t>
+              <a:t>1/6/2016</a:t>
             </a:fld>
             <a:endParaRPr lang="en-US"/>
           </a:p>
@@ -594,7 +599,7 @@
           <a:p>
             <a:fld id="{F939DB40-1302-41AD-90AD-12D1D5337234}" type="datetimeFigureOut">
               <a:rPr lang="en-US" smtClean="0"/>
-              <a:t>1/5/2016</a:t>
+              <a:t>1/6/2016</a:t>
             </a:fld>
             <a:endParaRPr lang="en-US"/>
           </a:p>
@@ -764,7 +769,7 @@
           <a:p>
             <a:fld id="{F939DB40-1302-41AD-90AD-12D1D5337234}" type="datetimeFigureOut">
               <a:rPr lang="en-US" smtClean="0"/>
-              <a:t>1/5/2016</a:t>
+              <a:t>1/6/2016</a:t>
             </a:fld>
             <a:endParaRPr lang="en-US"/>
           </a:p>
@@ -1010,7 +1015,7 @@
           <a:p>
             <a:fld id="{F939DB40-1302-41AD-90AD-12D1D5337234}" type="datetimeFigureOut">
               <a:rPr lang="en-US" smtClean="0"/>
-              <a:t>1/5/2016</a:t>
+              <a:t>1/6/2016</a:t>
             </a:fld>
             <a:endParaRPr lang="en-US"/>
           </a:p>
@@ -1242,7 +1247,7 @@
           <a:p>
             <a:fld id="{F939DB40-1302-41AD-90AD-12D1D5337234}" type="datetimeFigureOut">
               <a:rPr lang="en-US" smtClean="0"/>
-              <a:t>1/5/2016</a:t>
+              <a:t>1/6/2016</a:t>
             </a:fld>
             <a:endParaRPr lang="en-US"/>
           </a:p>
@@ -1609,7 +1614,7 @@
           <a:p>
             <a:fld id="{F939DB40-1302-41AD-90AD-12D1D5337234}" type="datetimeFigureOut">
               <a:rPr lang="en-US" smtClean="0"/>
-              <a:t>1/5/2016</a:t>
+              <a:t>1/6/2016</a:t>
             </a:fld>
             <a:endParaRPr lang="en-US"/>
           </a:p>
@@ -1727,7 +1732,7 @@
           <a:p>
             <a:fld id="{F939DB40-1302-41AD-90AD-12D1D5337234}" type="datetimeFigureOut">
               <a:rPr lang="en-US" smtClean="0"/>
-              <a:t>1/5/2016</a:t>
+              <a:t>1/6/2016</a:t>
             </a:fld>
             <a:endParaRPr lang="en-US"/>
           </a:p>
@@ -1822,7 +1827,7 @@
           <a:p>
             <a:fld id="{F939DB40-1302-41AD-90AD-12D1D5337234}" type="datetimeFigureOut">
               <a:rPr lang="en-US" smtClean="0"/>
-              <a:t>1/5/2016</a:t>
+              <a:t>1/6/2016</a:t>
             </a:fld>
             <a:endParaRPr lang="en-US"/>
           </a:p>
@@ -2099,7 +2104,7 @@
           <a:p>
             <a:fld id="{F939DB40-1302-41AD-90AD-12D1D5337234}" type="datetimeFigureOut">
               <a:rPr lang="en-US" smtClean="0"/>
-              <a:t>1/5/2016</a:t>
+              <a:t>1/6/2016</a:t>
             </a:fld>
             <a:endParaRPr lang="en-US"/>
           </a:p>
@@ -2352,7 +2357,7 @@
           <a:p>
             <a:fld id="{F939DB40-1302-41AD-90AD-12D1D5337234}" type="datetimeFigureOut">
               <a:rPr lang="en-US" smtClean="0"/>
-              <a:t>1/5/2016</a:t>
+              <a:t>1/6/2016</a:t>
             </a:fld>
             <a:endParaRPr lang="en-US"/>
           </a:p>
@@ -2565,7 +2570,7 @@
           <a:p>
             <a:fld id="{F939DB40-1302-41AD-90AD-12D1D5337234}" type="datetimeFigureOut">
               <a:rPr lang="en-US" smtClean="0"/>
-              <a:t>1/5/2016</a:t>
+              <a:t>1/6/2016</a:t>
             </a:fld>
             <a:endParaRPr lang="en-US"/>
           </a:p>
@@ -2987,11 +2992,7 @@
           <a:p>
             <a:r>
               <a:rPr lang="en-US" dirty="0" smtClean="0"/>
-              <a:t>Les </a:t>
-            </a:r>
-            <a:r>
-              <a:rPr lang="en-US" dirty="0" smtClean="0"/>
-              <a:t>#2</a:t>
+              <a:t>Les #02</a:t>
             </a:r>
             <a:endParaRPr lang="en-US" dirty="0"/>
           </a:p>
@@ -3013,32 +3014,8 @@
           <a:lstStyle/>
           <a:p>
             <a:r>
-              <a:rPr lang="en-US" dirty="0" err="1" smtClean="0"/>
+              <a:rPr lang="en-US" dirty="0" err="1"/>
               <a:t>Enums</a:t>
-            </a:r>
-            <a:r>
-              <a:rPr lang="en-US" dirty="0" smtClean="0"/>
-              <a:t>, </a:t>
-            </a:r>
-            <a:r>
-              <a:rPr lang="en-US" dirty="0" err="1" smtClean="0"/>
-              <a:t>Lerps</a:t>
-            </a:r>
-            <a:r>
-              <a:rPr lang="en-US" dirty="0" smtClean="0"/>
-              <a:t> </a:t>
-            </a:r>
-            <a:r>
-              <a:rPr lang="en-US" dirty="0" err="1" smtClean="0"/>
-              <a:t>en</a:t>
-            </a:r>
-            <a:r>
-              <a:rPr lang="en-US" dirty="0" smtClean="0"/>
-              <a:t> </a:t>
-            </a:r>
-            <a:r>
-              <a:rPr lang="en-US" dirty="0" err="1" smtClean="0"/>
-              <a:t>IENumerator</a:t>
             </a:r>
             <a:endParaRPr lang="en-US" dirty="0"/>
           </a:p>
@@ -3227,6 +3204,1323 @@
     <p:extLst>
       <p:ext uri="{BB962C8B-B14F-4D97-AF65-F5344CB8AC3E}">
         <p14:creationId xmlns:p14="http://schemas.microsoft.com/office/powerpoint/2010/main" val="3541601360"/>
+      </p:ext>
+    </p:extLst>
+  </p:cSld>
+  <p:clrMapOvr>
+    <a:masterClrMapping/>
+  </p:clrMapOvr>
+  <p:transition spd="slow">
+    <p:push dir="u"/>
+  </p:transition>
+  <p:timing>
+    <p:tnLst>
+      <p:par>
+        <p:cTn id="1" dur="indefinite" restart="never" nodeType="tmRoot"/>
+      </p:par>
+    </p:tnLst>
+  </p:timing>
+</p:sld>
+</file>
+
+<file path=ppt/slides/slide3.xml><?xml version="1.0" encoding="utf-8"?>
+<p:sld xmlns:a="http://schemas.openxmlformats.org/drawingml/2006/main" xmlns:r="http://schemas.openxmlformats.org/officeDocument/2006/relationships" xmlns:p="http://schemas.openxmlformats.org/presentationml/2006/main">
+  <p:cSld>
+    <p:spTree>
+      <p:nvGrpSpPr>
+        <p:cNvPr id="1" name=""/>
+        <p:cNvGrpSpPr/>
+        <p:nvPr/>
+      </p:nvGrpSpPr>
+      <p:grpSpPr>
+        <a:xfrm>
+          <a:off x="0" y="0"/>
+          <a:ext cx="0" cy="0"/>
+          <a:chOff x="0" y="0"/>
+          <a:chExt cx="0" cy="0"/>
+        </a:xfrm>
+      </p:grpSpPr>
+      <p:sp>
+        <p:nvSpPr>
+          <p:cNvPr id="2" name="Titel 1"/>
+          <p:cNvSpPr>
+            <a:spLocks noGrp="1"/>
+          </p:cNvSpPr>
+          <p:nvPr>
+            <p:ph type="title"/>
+          </p:nvPr>
+        </p:nvSpPr>
+        <p:spPr/>
+        <p:txBody>
+          <a:bodyPr/>
+          <a:lstStyle/>
+          <a:p>
+            <a:r>
+              <a:rPr lang="en-US" dirty="0" err="1" smtClean="0"/>
+              <a:t>Toepassingen</a:t>
+            </a:r>
+            <a:endParaRPr lang="en-US" dirty="0"/>
+          </a:p>
+        </p:txBody>
+      </p:sp>
+      <p:sp>
+        <p:nvSpPr>
+          <p:cNvPr id="3" name="Tijdelijke aanduiding voor inhoud 2"/>
+          <p:cNvSpPr>
+            <a:spLocks noGrp="1"/>
+          </p:cNvSpPr>
+          <p:nvPr>
+            <p:ph idx="1"/>
+          </p:nvPr>
+        </p:nvSpPr>
+        <p:spPr/>
+        <p:txBody>
+          <a:bodyPr/>
+          <a:lstStyle/>
+          <a:p>
+            <a:r>
+              <a:rPr lang="en-US" dirty="0" smtClean="0"/>
+              <a:t>Damage types</a:t>
+            </a:r>
+          </a:p>
+          <a:p>
+            <a:r>
+              <a:rPr lang="en-US" dirty="0" err="1" smtClean="0"/>
+              <a:t>Verschillende</a:t>
+            </a:r>
+            <a:r>
+              <a:rPr lang="en-US" dirty="0" smtClean="0"/>
+              <a:t> </a:t>
+            </a:r>
+            <a:r>
+              <a:rPr lang="en-US" dirty="0" err="1" smtClean="0"/>
+              <a:t>dagen</a:t>
+            </a:r>
+            <a:r>
+              <a:rPr lang="en-US" dirty="0" smtClean="0"/>
+              <a:t> in de week</a:t>
+            </a:r>
+          </a:p>
+          <a:p>
+            <a:r>
+              <a:rPr lang="en-US" dirty="0" smtClean="0"/>
+              <a:t>State </a:t>
+            </a:r>
+            <a:r>
+              <a:rPr lang="en-US" dirty="0" err="1" smtClean="0"/>
+              <a:t>waarin</a:t>
+            </a:r>
+            <a:r>
+              <a:rPr lang="en-US" dirty="0" smtClean="0"/>
+              <a:t> </a:t>
+            </a:r>
+            <a:r>
+              <a:rPr lang="en-US" dirty="0" err="1" smtClean="0"/>
+              <a:t>een</a:t>
+            </a:r>
+            <a:r>
+              <a:rPr lang="en-US" dirty="0" smtClean="0"/>
+              <a:t> </a:t>
+            </a:r>
+            <a:r>
+              <a:rPr lang="en-US" dirty="0" err="1" smtClean="0"/>
+              <a:t>speler</a:t>
+            </a:r>
+            <a:r>
+              <a:rPr lang="en-US" dirty="0" smtClean="0"/>
+              <a:t> </a:t>
+            </a:r>
+            <a:r>
+              <a:rPr lang="en-US" dirty="0" err="1" smtClean="0"/>
+              <a:t>zich</a:t>
+            </a:r>
+            <a:r>
+              <a:rPr lang="en-US" dirty="0" smtClean="0"/>
+              <a:t> </a:t>
+            </a:r>
+            <a:r>
+              <a:rPr lang="en-US" dirty="0" err="1" smtClean="0"/>
+              <a:t>bevindt</a:t>
+            </a:r>
+            <a:endParaRPr lang="en-US" dirty="0" smtClean="0"/>
+          </a:p>
+          <a:p>
+            <a:endParaRPr lang="en-US" dirty="0" smtClean="0"/>
+          </a:p>
+          <a:p>
+            <a:endParaRPr lang="en-US" dirty="0"/>
+          </a:p>
+        </p:txBody>
+      </p:sp>
+    </p:spTree>
+    <p:extLst>
+      <p:ext uri="{BB962C8B-B14F-4D97-AF65-F5344CB8AC3E}">
+        <p14:creationId xmlns:p14="http://schemas.microsoft.com/office/powerpoint/2010/main" val="746908327"/>
+      </p:ext>
+    </p:extLst>
+  </p:cSld>
+  <p:clrMapOvr>
+    <a:masterClrMapping/>
+  </p:clrMapOvr>
+  <p:transition spd="slow">
+    <p:push dir="u"/>
+  </p:transition>
+  <p:timing>
+    <p:tnLst>
+      <p:par>
+        <p:cTn id="1" dur="indefinite" restart="never" nodeType="tmRoot"/>
+      </p:par>
+    </p:tnLst>
+  </p:timing>
+</p:sld>
+</file>
+
+<file path=ppt/slides/slide4.xml><?xml version="1.0" encoding="utf-8"?>
+<p:sld xmlns:a="http://schemas.openxmlformats.org/drawingml/2006/main" xmlns:r="http://schemas.openxmlformats.org/officeDocument/2006/relationships" xmlns:p="http://schemas.openxmlformats.org/presentationml/2006/main">
+  <p:cSld>
+    <p:spTree>
+      <p:nvGrpSpPr>
+        <p:cNvPr id="1" name=""/>
+        <p:cNvGrpSpPr/>
+        <p:nvPr/>
+      </p:nvGrpSpPr>
+      <p:grpSpPr>
+        <a:xfrm>
+          <a:off x="0" y="0"/>
+          <a:ext cx="0" cy="0"/>
+          <a:chOff x="0" y="0"/>
+          <a:chExt cx="0" cy="0"/>
+        </a:xfrm>
+      </p:grpSpPr>
+      <p:sp>
+        <p:nvSpPr>
+          <p:cNvPr id="2" name="Titel 1"/>
+          <p:cNvSpPr>
+            <a:spLocks noGrp="1"/>
+          </p:cNvSpPr>
+          <p:nvPr>
+            <p:ph type="title"/>
+          </p:nvPr>
+        </p:nvSpPr>
+        <p:spPr/>
+        <p:txBody>
+          <a:bodyPr/>
+          <a:lstStyle/>
+          <a:p>
+            <a:r>
+              <a:rPr lang="en-US" dirty="0" err="1" smtClean="0"/>
+              <a:t>Opdracht</a:t>
+            </a:r>
+            <a:r>
+              <a:rPr lang="en-US" dirty="0" smtClean="0"/>
+              <a:t> 1</a:t>
+            </a:r>
+            <a:endParaRPr lang="en-US" dirty="0"/>
+          </a:p>
+        </p:txBody>
+      </p:sp>
+      <p:sp>
+        <p:nvSpPr>
+          <p:cNvPr id="3" name="Tijdelijke aanduiding voor inhoud 2"/>
+          <p:cNvSpPr>
+            <a:spLocks noGrp="1"/>
+          </p:cNvSpPr>
+          <p:nvPr>
+            <p:ph idx="1"/>
+          </p:nvPr>
+        </p:nvSpPr>
+        <p:spPr/>
+        <p:txBody>
+          <a:bodyPr/>
+          <a:lstStyle/>
+          <a:p>
+            <a:r>
+              <a:rPr lang="en-US" dirty="0" err="1" smtClean="0"/>
+              <a:t>Maak</a:t>
+            </a:r>
+            <a:r>
+              <a:rPr lang="en-US" dirty="0" smtClean="0"/>
+              <a:t> </a:t>
+            </a:r>
+            <a:r>
+              <a:rPr lang="en-US" dirty="0" err="1" smtClean="0"/>
+              <a:t>zelf</a:t>
+            </a:r>
+            <a:r>
+              <a:rPr lang="en-US" dirty="0" smtClean="0"/>
+              <a:t> </a:t>
+            </a:r>
+            <a:r>
+              <a:rPr lang="en-US" dirty="0" err="1" smtClean="0"/>
+              <a:t>een</a:t>
+            </a:r>
+            <a:r>
+              <a:rPr lang="en-US" dirty="0" smtClean="0"/>
+              <a:t> </a:t>
+            </a:r>
+            <a:r>
+              <a:rPr lang="en-US" dirty="0" err="1" smtClean="0"/>
+              <a:t>enum</a:t>
+            </a:r>
+            <a:r>
+              <a:rPr lang="en-US" dirty="0" smtClean="0"/>
+              <a:t> met </a:t>
+            </a:r>
+            <a:r>
+              <a:rPr lang="en-US" dirty="0" err="1" smtClean="0"/>
+              <a:t>daarin</a:t>
+            </a:r>
+            <a:r>
+              <a:rPr lang="en-US" dirty="0" smtClean="0"/>
+              <a:t> </a:t>
+            </a:r>
+            <a:r>
+              <a:rPr lang="en-US" dirty="0" err="1" smtClean="0"/>
+              <a:t>alle</a:t>
+            </a:r>
+            <a:r>
+              <a:rPr lang="en-US" dirty="0" smtClean="0"/>
+              <a:t> </a:t>
+            </a:r>
+            <a:r>
+              <a:rPr lang="en-US" dirty="0" err="1" smtClean="0"/>
+              <a:t>dagen</a:t>
+            </a:r>
+            <a:r>
+              <a:rPr lang="en-US" dirty="0" smtClean="0"/>
+              <a:t> van de week. </a:t>
+            </a:r>
+            <a:r>
+              <a:rPr lang="en-US" dirty="0" err="1" smtClean="0"/>
+              <a:t>Zorg</a:t>
+            </a:r>
+            <a:r>
+              <a:rPr lang="en-US" dirty="0" smtClean="0"/>
+              <a:t> </a:t>
+            </a:r>
+            <a:r>
+              <a:rPr lang="en-US" dirty="0" err="1" smtClean="0"/>
+              <a:t>dat</a:t>
+            </a:r>
+            <a:r>
+              <a:rPr lang="en-US" dirty="0" smtClean="0"/>
+              <a:t> je script </a:t>
+            </a:r>
+            <a:r>
+              <a:rPr lang="en-US" dirty="0" err="1" smtClean="0"/>
+              <a:t>voor</a:t>
+            </a:r>
+            <a:r>
+              <a:rPr lang="en-US" dirty="0" smtClean="0"/>
+              <a:t> </a:t>
+            </a:r>
+            <a:r>
+              <a:rPr lang="en-US" dirty="0" err="1" smtClean="0"/>
+              <a:t>iedere</a:t>
+            </a:r>
+            <a:r>
+              <a:rPr lang="en-US" dirty="0" smtClean="0"/>
+              <a:t> dag van de week </a:t>
+            </a:r>
+            <a:r>
+              <a:rPr lang="en-US" dirty="0" err="1" smtClean="0"/>
+              <a:t>iets</a:t>
+            </a:r>
+            <a:r>
+              <a:rPr lang="en-US" dirty="0" smtClean="0"/>
+              <a:t> </a:t>
+            </a:r>
+            <a:r>
+              <a:rPr lang="en-US" dirty="0" err="1" smtClean="0"/>
+              <a:t>anders</a:t>
+            </a:r>
+            <a:r>
+              <a:rPr lang="en-US" dirty="0" smtClean="0"/>
+              <a:t> </a:t>
+            </a:r>
+            <a:r>
+              <a:rPr lang="en-US" dirty="0" err="1" smtClean="0"/>
+              <a:t>Debug.Log’d</a:t>
+            </a:r>
+            <a:endParaRPr lang="en-US" dirty="0" smtClean="0"/>
+          </a:p>
+          <a:p>
+            <a:endParaRPr lang="en-US" dirty="0" smtClean="0"/>
+          </a:p>
+          <a:p>
+            <a:endParaRPr lang="en-US" dirty="0"/>
+          </a:p>
+        </p:txBody>
+      </p:sp>
+    </p:spTree>
+    <p:extLst>
+      <p:ext uri="{BB962C8B-B14F-4D97-AF65-F5344CB8AC3E}">
+        <p14:creationId xmlns:p14="http://schemas.microsoft.com/office/powerpoint/2010/main" val="2011810297"/>
+      </p:ext>
+    </p:extLst>
+  </p:cSld>
+  <p:clrMapOvr>
+    <a:masterClrMapping/>
+  </p:clrMapOvr>
+  <p:transition spd="slow">
+    <p:push dir="u"/>
+  </p:transition>
+  <p:timing>
+    <p:tnLst>
+      <p:par>
+        <p:cTn id="1" dur="indefinite" restart="never" nodeType="tmRoot"/>
+      </p:par>
+    </p:tnLst>
+  </p:timing>
+</p:sld>
+</file>
+
+<file path=ppt/slides/slide5.xml><?xml version="1.0" encoding="utf-8"?>
+<p:sld xmlns:a="http://schemas.openxmlformats.org/drawingml/2006/main" xmlns:r="http://schemas.openxmlformats.org/officeDocument/2006/relationships" xmlns:p="http://schemas.openxmlformats.org/presentationml/2006/main">
+  <p:cSld>
+    <p:spTree>
+      <p:nvGrpSpPr>
+        <p:cNvPr id="1" name=""/>
+        <p:cNvGrpSpPr/>
+        <p:nvPr/>
+      </p:nvGrpSpPr>
+      <p:grpSpPr>
+        <a:xfrm>
+          <a:off x="0" y="0"/>
+          <a:ext cx="0" cy="0"/>
+          <a:chOff x="0" y="0"/>
+          <a:chExt cx="0" cy="0"/>
+        </a:xfrm>
+      </p:grpSpPr>
+      <p:sp>
+        <p:nvSpPr>
+          <p:cNvPr id="2" name="Titel 1"/>
+          <p:cNvSpPr>
+            <a:spLocks noGrp="1"/>
+          </p:cNvSpPr>
+          <p:nvPr>
+            <p:ph type="title"/>
+          </p:nvPr>
+        </p:nvSpPr>
+        <p:spPr/>
+        <p:txBody>
+          <a:bodyPr/>
+          <a:lstStyle/>
+          <a:p>
+            <a:r>
+              <a:rPr lang="en-US" dirty="0" smtClean="0"/>
+              <a:t>Switches</a:t>
+            </a:r>
+            <a:endParaRPr lang="en-US" dirty="0"/>
+          </a:p>
+        </p:txBody>
+      </p:sp>
+      <p:sp>
+        <p:nvSpPr>
+          <p:cNvPr id="3" name="Tijdelijke aanduiding voor inhoud 2"/>
+          <p:cNvSpPr>
+            <a:spLocks noGrp="1"/>
+          </p:cNvSpPr>
+          <p:nvPr>
+            <p:ph idx="1"/>
+          </p:nvPr>
+        </p:nvSpPr>
+        <p:spPr/>
+        <p:txBody>
+          <a:bodyPr/>
+          <a:lstStyle/>
+          <a:p>
+            <a:endParaRPr lang="en-US" dirty="0" smtClean="0"/>
+          </a:p>
+          <a:p>
+            <a:endParaRPr lang="en-US" dirty="0"/>
+          </a:p>
+        </p:txBody>
+      </p:sp>
+      <p:pic>
+        <p:nvPicPr>
+          <p:cNvPr id="1026" name="Picture 2" descr="http://i.stack.imgur.com/wNofS.png"/>
+          <p:cNvPicPr>
+            <a:picLocks noChangeAspect="1" noChangeArrowheads="1"/>
+          </p:cNvPicPr>
+          <p:nvPr/>
+        </p:nvPicPr>
+        <p:blipFill>
+          <a:blip r:embed="rId2">
+            <a:extLst>
+              <a:ext uri="{28A0092B-C50C-407E-A947-70E740481C1C}">
+                <a14:useLocalDpi xmlns:a14="http://schemas.microsoft.com/office/drawing/2010/main" val="0"/>
+              </a:ext>
+            </a:extLst>
+          </a:blip>
+          <a:srcRect/>
+          <a:stretch>
+            <a:fillRect/>
+          </a:stretch>
+        </p:blipFill>
+        <p:spPr bwMode="auto">
+          <a:xfrm>
+            <a:off x="2332123" y="1690688"/>
+            <a:ext cx="7527753" cy="3803289"/>
+          </a:xfrm>
+          <a:prstGeom prst="rect">
+            <a:avLst/>
+          </a:prstGeom>
+          <a:noFill/>
+          <a:extLst>
+            <a:ext uri="{909E8E84-426E-40DD-AFC4-6F175D3DCCD1}">
+              <a14:hiddenFill xmlns:a14="http://schemas.microsoft.com/office/drawing/2010/main">
+                <a:solidFill>
+                  <a:srgbClr val="FFFFFF"/>
+                </a:solidFill>
+              </a14:hiddenFill>
+            </a:ext>
+          </a:extLst>
+        </p:spPr>
+      </p:pic>
+    </p:spTree>
+    <p:extLst>
+      <p:ext uri="{BB962C8B-B14F-4D97-AF65-F5344CB8AC3E}">
+        <p14:creationId xmlns:p14="http://schemas.microsoft.com/office/powerpoint/2010/main" val="2253971028"/>
+      </p:ext>
+    </p:extLst>
+  </p:cSld>
+  <p:clrMapOvr>
+    <a:masterClrMapping/>
+  </p:clrMapOvr>
+  <p:transition spd="slow">
+    <p:push dir="u"/>
+  </p:transition>
+  <p:timing>
+    <p:tnLst>
+      <p:par>
+        <p:cTn id="1" dur="indefinite" restart="never" nodeType="tmRoot"/>
+      </p:par>
+    </p:tnLst>
+  </p:timing>
+</p:sld>
+</file>
+
+<file path=ppt/slides/slide6.xml><?xml version="1.0" encoding="utf-8"?>
+<p:sld xmlns:a="http://schemas.openxmlformats.org/drawingml/2006/main" xmlns:r="http://schemas.openxmlformats.org/officeDocument/2006/relationships" xmlns:p="http://schemas.openxmlformats.org/presentationml/2006/main">
+  <p:cSld>
+    <p:spTree>
+      <p:nvGrpSpPr>
+        <p:cNvPr id="1" name=""/>
+        <p:cNvGrpSpPr/>
+        <p:nvPr/>
+      </p:nvGrpSpPr>
+      <p:grpSpPr>
+        <a:xfrm>
+          <a:off x="0" y="0"/>
+          <a:ext cx="0" cy="0"/>
+          <a:chOff x="0" y="0"/>
+          <a:chExt cx="0" cy="0"/>
+        </a:xfrm>
+      </p:grpSpPr>
+      <p:sp>
+        <p:nvSpPr>
+          <p:cNvPr id="2" name="Titel 1"/>
+          <p:cNvSpPr>
+            <a:spLocks noGrp="1"/>
+          </p:cNvSpPr>
+          <p:nvPr>
+            <p:ph type="title"/>
+          </p:nvPr>
+        </p:nvSpPr>
+        <p:spPr/>
+        <p:txBody>
+          <a:bodyPr/>
+          <a:lstStyle/>
+          <a:p>
+            <a:r>
+              <a:rPr lang="en-US" dirty="0" err="1" smtClean="0"/>
+              <a:t>Opdracht</a:t>
+            </a:r>
+            <a:r>
+              <a:rPr lang="en-US" dirty="0" smtClean="0"/>
+              <a:t> 2</a:t>
+            </a:r>
+            <a:endParaRPr lang="en-US" dirty="0"/>
+          </a:p>
+        </p:txBody>
+      </p:sp>
+      <p:sp>
+        <p:nvSpPr>
+          <p:cNvPr id="3" name="Tijdelijke aanduiding voor inhoud 2"/>
+          <p:cNvSpPr>
+            <a:spLocks noGrp="1"/>
+          </p:cNvSpPr>
+          <p:nvPr>
+            <p:ph idx="1"/>
+          </p:nvPr>
+        </p:nvSpPr>
+        <p:spPr/>
+        <p:txBody>
+          <a:bodyPr/>
+          <a:lstStyle/>
+          <a:p>
+            <a:r>
+              <a:rPr lang="en-US" dirty="0" err="1" smtClean="0"/>
+              <a:t>Maak</a:t>
+            </a:r>
+            <a:r>
+              <a:rPr lang="en-US" dirty="0" smtClean="0"/>
+              <a:t> 5 cubes </a:t>
+            </a:r>
+            <a:r>
+              <a:rPr lang="en-US" dirty="0" err="1" smtClean="0"/>
+              <a:t>aan</a:t>
+            </a:r>
+            <a:r>
+              <a:rPr lang="en-US" dirty="0"/>
+              <a:t> </a:t>
+            </a:r>
+            <a:r>
+              <a:rPr lang="en-US" dirty="0" err="1" smtClean="0"/>
+              <a:t>en</a:t>
+            </a:r>
+            <a:r>
+              <a:rPr lang="en-US" dirty="0" smtClean="0"/>
+              <a:t> </a:t>
+            </a:r>
+            <a:r>
+              <a:rPr lang="en-US" dirty="0" err="1" smtClean="0"/>
+              <a:t>geef</a:t>
+            </a:r>
+            <a:r>
+              <a:rPr lang="en-US" dirty="0" smtClean="0"/>
+              <a:t> </a:t>
+            </a:r>
+            <a:r>
+              <a:rPr lang="en-US" dirty="0" err="1" smtClean="0"/>
+              <a:t>deze</a:t>
+            </a:r>
+            <a:r>
+              <a:rPr lang="en-US" dirty="0" smtClean="0"/>
+              <a:t> </a:t>
+            </a:r>
+            <a:r>
+              <a:rPr lang="en-US" dirty="0" err="1" smtClean="0"/>
+              <a:t>een</a:t>
+            </a:r>
+            <a:r>
+              <a:rPr lang="en-US" dirty="0" smtClean="0"/>
+              <a:t> script </a:t>
+            </a:r>
+            <a:r>
+              <a:rPr lang="en-US" dirty="0" err="1" smtClean="0"/>
+              <a:t>waarin</a:t>
+            </a:r>
+            <a:r>
+              <a:rPr lang="en-US" dirty="0" smtClean="0"/>
+              <a:t> je de </a:t>
+            </a:r>
+            <a:r>
+              <a:rPr lang="en-US" dirty="0" err="1" smtClean="0"/>
+              <a:t>kleur</a:t>
+            </a:r>
+            <a:r>
+              <a:rPr lang="en-US" dirty="0" smtClean="0"/>
+              <a:t> </a:t>
+            </a:r>
+            <a:r>
+              <a:rPr lang="en-US" dirty="0" err="1" smtClean="0"/>
+              <a:t>gaat</a:t>
+            </a:r>
+            <a:r>
+              <a:rPr lang="en-US" dirty="0" smtClean="0"/>
+              <a:t> </a:t>
+            </a:r>
+            <a:r>
+              <a:rPr lang="en-US" dirty="0" err="1" smtClean="0"/>
+              <a:t>veranderen</a:t>
+            </a:r>
+            <a:r>
+              <a:rPr lang="en-US" dirty="0" smtClean="0"/>
+              <a:t>. Doe </a:t>
+            </a:r>
+            <a:r>
+              <a:rPr lang="en-US" dirty="0" err="1" smtClean="0"/>
+              <a:t>dit</a:t>
+            </a:r>
+            <a:r>
+              <a:rPr lang="en-US" dirty="0" smtClean="0"/>
+              <a:t> door </a:t>
+            </a:r>
+            <a:r>
+              <a:rPr lang="en-US" dirty="0" err="1" smtClean="0"/>
+              <a:t>middel</a:t>
+            </a:r>
+            <a:r>
+              <a:rPr lang="en-US" dirty="0" smtClean="0"/>
+              <a:t> van </a:t>
+            </a:r>
+            <a:r>
+              <a:rPr lang="en-US" dirty="0" err="1" smtClean="0"/>
+              <a:t>een</a:t>
+            </a:r>
+            <a:r>
+              <a:rPr lang="en-US" dirty="0" smtClean="0"/>
+              <a:t> </a:t>
+            </a:r>
+            <a:r>
+              <a:rPr lang="en-US" dirty="0" err="1" smtClean="0"/>
+              <a:t>enum</a:t>
+            </a:r>
+            <a:r>
+              <a:rPr lang="en-US" dirty="0" smtClean="0"/>
+              <a:t> </a:t>
+            </a:r>
+            <a:r>
+              <a:rPr lang="en-US" dirty="0" err="1" smtClean="0"/>
+              <a:t>en</a:t>
+            </a:r>
+            <a:r>
+              <a:rPr lang="en-US" dirty="0" smtClean="0"/>
+              <a:t> </a:t>
+            </a:r>
+            <a:r>
+              <a:rPr lang="en-US" dirty="0" err="1" smtClean="0"/>
+              <a:t>een</a:t>
+            </a:r>
+            <a:r>
+              <a:rPr lang="en-US" dirty="0" smtClean="0"/>
+              <a:t> switch, </a:t>
+            </a:r>
+            <a:r>
+              <a:rPr lang="en-US" dirty="0" err="1" smtClean="0"/>
+              <a:t>zorg</a:t>
+            </a:r>
+            <a:r>
+              <a:rPr lang="en-US" dirty="0" smtClean="0"/>
+              <a:t> </a:t>
+            </a:r>
+            <a:r>
+              <a:rPr lang="en-US" dirty="0" err="1" smtClean="0"/>
+              <a:t>dat</a:t>
+            </a:r>
+            <a:r>
+              <a:rPr lang="en-US" dirty="0" smtClean="0"/>
+              <a:t> je in de editor de </a:t>
+            </a:r>
+            <a:r>
+              <a:rPr lang="en-US" dirty="0" err="1" smtClean="0"/>
+              <a:t>kleur</a:t>
+            </a:r>
+            <a:r>
+              <a:rPr lang="en-US" dirty="0" smtClean="0"/>
+              <a:t> </a:t>
+            </a:r>
+            <a:r>
+              <a:rPr lang="en-US" dirty="0" err="1" smtClean="0"/>
+              <a:t>kan</a:t>
+            </a:r>
+            <a:r>
+              <a:rPr lang="en-US" dirty="0" smtClean="0"/>
+              <a:t> </a:t>
+            </a:r>
+            <a:r>
+              <a:rPr lang="en-US" dirty="0" err="1" smtClean="0"/>
+              <a:t>aangeven</a:t>
+            </a:r>
+            <a:r>
+              <a:rPr lang="en-US" dirty="0" smtClean="0"/>
+              <a:t>. </a:t>
+            </a:r>
+            <a:r>
+              <a:rPr lang="en-US" dirty="0" err="1" smtClean="0"/>
+              <a:t>Geef</a:t>
+            </a:r>
+            <a:r>
+              <a:rPr lang="en-US" dirty="0" smtClean="0"/>
+              <a:t> </a:t>
+            </a:r>
+            <a:r>
+              <a:rPr lang="en-US" dirty="0" err="1" smtClean="0"/>
+              <a:t>iedere</a:t>
+            </a:r>
+            <a:r>
+              <a:rPr lang="en-US" dirty="0" smtClean="0"/>
+              <a:t> cube </a:t>
+            </a:r>
+            <a:r>
+              <a:rPr lang="en-US" dirty="0" err="1" smtClean="0"/>
+              <a:t>een</a:t>
+            </a:r>
+            <a:r>
+              <a:rPr lang="en-US" dirty="0" smtClean="0"/>
+              <a:t> </a:t>
+            </a:r>
+            <a:r>
+              <a:rPr lang="en-US" dirty="0" err="1" smtClean="0"/>
+              <a:t>andere</a:t>
+            </a:r>
+            <a:r>
+              <a:rPr lang="en-US" dirty="0" smtClean="0"/>
+              <a:t> </a:t>
+            </a:r>
+            <a:r>
+              <a:rPr lang="en-US" dirty="0" err="1" smtClean="0"/>
+              <a:t>kleur</a:t>
+            </a:r>
+            <a:r>
+              <a:rPr lang="en-US" dirty="0" smtClean="0"/>
+              <a:t>.</a:t>
+            </a:r>
+          </a:p>
+          <a:p>
+            <a:r>
+              <a:rPr lang="en-US" sz="1800" i="1" dirty="0" smtClean="0">
+                <a:solidFill>
+                  <a:schemeClr val="accent3">
+                    <a:lumMod val="75000"/>
+                  </a:schemeClr>
+                </a:solidFill>
+              </a:rPr>
+              <a:t>Met </a:t>
+            </a:r>
+            <a:r>
+              <a:rPr lang="en-US" sz="1800" i="1" dirty="0" err="1" smtClean="0">
+                <a:solidFill>
+                  <a:schemeClr val="accent3">
+                    <a:lumMod val="75000"/>
+                  </a:schemeClr>
+                </a:solidFill>
+              </a:rPr>
+              <a:t>met</a:t>
+            </a:r>
+            <a:r>
+              <a:rPr lang="en-US" sz="1800" i="1" dirty="0" smtClean="0">
+                <a:solidFill>
+                  <a:schemeClr val="accent3">
+                    <a:lumMod val="75000"/>
+                  </a:schemeClr>
+                </a:solidFill>
+              </a:rPr>
+              <a:t> </a:t>
+            </a:r>
+            <a:r>
+              <a:rPr lang="en-US" sz="1800" i="1" dirty="0" err="1" smtClean="0">
+                <a:solidFill>
+                  <a:schemeClr val="accent3">
+                    <a:lumMod val="75000"/>
+                  </a:schemeClr>
+                </a:solidFill>
+              </a:rPr>
+              <a:t>GetComponent</a:t>
+            </a:r>
+            <a:r>
+              <a:rPr lang="en-US" sz="1800" i="1" dirty="0" smtClean="0">
+                <a:solidFill>
+                  <a:schemeClr val="accent3">
+                    <a:lumMod val="75000"/>
+                  </a:schemeClr>
+                </a:solidFill>
+              </a:rPr>
+              <a:t>&lt;Renderer&gt;().</a:t>
+            </a:r>
+            <a:r>
+              <a:rPr lang="en-US" sz="1800" i="1" dirty="0" err="1" smtClean="0">
+                <a:solidFill>
+                  <a:schemeClr val="accent3">
+                    <a:lumMod val="75000"/>
+                  </a:schemeClr>
+                </a:solidFill>
+              </a:rPr>
+              <a:t>material.color</a:t>
+            </a:r>
+            <a:r>
+              <a:rPr lang="en-US" sz="1800" i="1" dirty="0" smtClean="0">
+                <a:solidFill>
+                  <a:schemeClr val="accent3">
+                    <a:lumMod val="75000"/>
+                  </a:schemeClr>
+                </a:solidFill>
+              </a:rPr>
+              <a:t> </a:t>
+            </a:r>
+            <a:r>
+              <a:rPr lang="en-US" sz="1800" i="1" dirty="0" err="1" smtClean="0">
+                <a:solidFill>
+                  <a:schemeClr val="accent3">
+                    <a:lumMod val="75000"/>
+                  </a:schemeClr>
+                </a:solidFill>
+              </a:rPr>
+              <a:t>kan</a:t>
+            </a:r>
+            <a:r>
+              <a:rPr lang="en-US" sz="1800" i="1" dirty="0" smtClean="0">
+                <a:solidFill>
+                  <a:schemeClr val="accent3">
+                    <a:lumMod val="75000"/>
+                  </a:schemeClr>
+                </a:solidFill>
+              </a:rPr>
+              <a:t> je de </a:t>
+            </a:r>
+            <a:r>
+              <a:rPr lang="en-US" sz="1800" i="1" dirty="0" err="1" smtClean="0">
+                <a:solidFill>
+                  <a:schemeClr val="accent3">
+                    <a:lumMod val="75000"/>
+                  </a:schemeClr>
+                </a:solidFill>
+              </a:rPr>
+              <a:t>kleur</a:t>
+            </a:r>
+            <a:r>
+              <a:rPr lang="en-US" sz="1800" i="1" dirty="0" smtClean="0">
+                <a:solidFill>
+                  <a:schemeClr val="accent3">
+                    <a:lumMod val="75000"/>
+                  </a:schemeClr>
+                </a:solidFill>
+              </a:rPr>
+              <a:t> </a:t>
+            </a:r>
+            <a:r>
+              <a:rPr lang="en-US" sz="1800" i="1" dirty="0" err="1" smtClean="0">
+                <a:solidFill>
+                  <a:schemeClr val="accent3">
+                    <a:lumMod val="75000"/>
+                  </a:schemeClr>
+                </a:solidFill>
+              </a:rPr>
+              <a:t>veranderen</a:t>
+            </a:r>
+            <a:r>
+              <a:rPr lang="en-US" sz="1800" i="1" dirty="0" smtClean="0">
+                <a:solidFill>
+                  <a:schemeClr val="accent3">
+                    <a:lumMod val="75000"/>
+                  </a:schemeClr>
+                </a:solidFill>
+              </a:rPr>
+              <a:t>.</a:t>
+            </a:r>
+            <a:endParaRPr lang="en-US" sz="1800" i="1" dirty="0" smtClean="0">
+              <a:solidFill>
+                <a:schemeClr val="accent3">
+                  <a:lumMod val="75000"/>
+                </a:schemeClr>
+              </a:solidFill>
+            </a:endParaRPr>
+          </a:p>
+          <a:p>
+            <a:endParaRPr lang="en-US" dirty="0"/>
+          </a:p>
+        </p:txBody>
+      </p:sp>
+    </p:spTree>
+    <p:extLst>
+      <p:ext uri="{BB962C8B-B14F-4D97-AF65-F5344CB8AC3E}">
+        <p14:creationId xmlns:p14="http://schemas.microsoft.com/office/powerpoint/2010/main" val="2439661408"/>
+      </p:ext>
+    </p:extLst>
+  </p:cSld>
+  <p:clrMapOvr>
+    <a:masterClrMapping/>
+  </p:clrMapOvr>
+  <p:transition spd="slow">
+    <p:push dir="u"/>
+  </p:transition>
+  <p:timing>
+    <p:tnLst>
+      <p:par>
+        <p:cTn id="1" dur="indefinite" restart="never" nodeType="tmRoot"/>
+      </p:par>
+    </p:tnLst>
+  </p:timing>
+</p:sld>
+</file>
+
+<file path=ppt/slides/slide7.xml><?xml version="1.0" encoding="utf-8"?>
+<p:sld xmlns:a="http://schemas.openxmlformats.org/drawingml/2006/main" xmlns:r="http://schemas.openxmlformats.org/officeDocument/2006/relationships" xmlns:p="http://schemas.openxmlformats.org/presentationml/2006/main">
+  <p:cSld>
+    <p:spTree>
+      <p:nvGrpSpPr>
+        <p:cNvPr id="1" name=""/>
+        <p:cNvGrpSpPr/>
+        <p:nvPr/>
+      </p:nvGrpSpPr>
+      <p:grpSpPr>
+        <a:xfrm>
+          <a:off x="0" y="0"/>
+          <a:ext cx="0" cy="0"/>
+          <a:chOff x="0" y="0"/>
+          <a:chExt cx="0" cy="0"/>
+        </a:xfrm>
+      </p:grpSpPr>
+      <p:sp>
+        <p:nvSpPr>
+          <p:cNvPr id="2" name="Titel 1"/>
+          <p:cNvSpPr>
+            <a:spLocks noGrp="1"/>
+          </p:cNvSpPr>
+          <p:nvPr>
+            <p:ph type="title"/>
+          </p:nvPr>
+        </p:nvSpPr>
+        <p:spPr/>
+        <p:txBody>
+          <a:bodyPr/>
+          <a:lstStyle/>
+          <a:p>
+            <a:r>
+              <a:rPr lang="en-US" dirty="0" err="1" smtClean="0"/>
+              <a:t>Opdracht</a:t>
+            </a:r>
+            <a:r>
+              <a:rPr lang="en-US" dirty="0" smtClean="0"/>
+              <a:t> 3 </a:t>
+            </a:r>
+            <a:r>
+              <a:rPr lang="en-US" dirty="0" smtClean="0">
+                <a:solidFill>
+                  <a:schemeClr val="accent3">
+                    <a:lumMod val="75000"/>
+                  </a:schemeClr>
+                </a:solidFill>
+              </a:rPr>
+              <a:t>(</a:t>
+            </a:r>
+            <a:r>
+              <a:rPr lang="en-US" dirty="0" err="1" smtClean="0">
+                <a:solidFill>
+                  <a:schemeClr val="accent3">
+                    <a:lumMod val="75000"/>
+                  </a:schemeClr>
+                </a:solidFill>
+              </a:rPr>
+              <a:t>optioneel</a:t>
+            </a:r>
+            <a:r>
+              <a:rPr lang="en-US" dirty="0" smtClean="0">
+                <a:solidFill>
+                  <a:schemeClr val="accent3">
+                    <a:lumMod val="75000"/>
+                  </a:schemeClr>
+                </a:solidFill>
+              </a:rPr>
+              <a:t>)</a:t>
+            </a:r>
+            <a:endParaRPr lang="en-US" dirty="0">
+              <a:solidFill>
+                <a:schemeClr val="accent3">
+                  <a:lumMod val="75000"/>
+                </a:schemeClr>
+              </a:solidFill>
+            </a:endParaRPr>
+          </a:p>
+        </p:txBody>
+      </p:sp>
+      <p:sp>
+        <p:nvSpPr>
+          <p:cNvPr id="3" name="Tijdelijke aanduiding voor inhoud 2"/>
+          <p:cNvSpPr>
+            <a:spLocks noGrp="1"/>
+          </p:cNvSpPr>
+          <p:nvPr>
+            <p:ph idx="1"/>
+          </p:nvPr>
+        </p:nvSpPr>
+        <p:spPr/>
+        <p:txBody>
+          <a:bodyPr/>
+          <a:lstStyle/>
+          <a:p>
+            <a:r>
+              <a:rPr lang="en-US" dirty="0" err="1" smtClean="0"/>
+              <a:t>Er</a:t>
+            </a:r>
+            <a:r>
+              <a:rPr lang="en-US" dirty="0" smtClean="0"/>
+              <a:t> is </a:t>
+            </a:r>
+            <a:r>
+              <a:rPr lang="en-US" dirty="0" err="1" smtClean="0"/>
+              <a:t>een</a:t>
+            </a:r>
+            <a:r>
+              <a:rPr lang="en-US" dirty="0" smtClean="0"/>
+              <a:t> </a:t>
+            </a:r>
+            <a:r>
+              <a:rPr lang="en-US" dirty="0" err="1" smtClean="0"/>
+              <a:t>manier</a:t>
+            </a:r>
+            <a:r>
+              <a:rPr lang="en-US" dirty="0" smtClean="0"/>
+              <a:t> om </a:t>
+            </a:r>
+            <a:r>
+              <a:rPr lang="en-US" dirty="0" err="1" smtClean="0"/>
+              <a:t>binnen</a:t>
+            </a:r>
+            <a:r>
+              <a:rPr lang="en-US" dirty="0" smtClean="0"/>
+              <a:t> </a:t>
+            </a:r>
+            <a:r>
+              <a:rPr lang="en-US" dirty="0" err="1" smtClean="0"/>
+              <a:t>een</a:t>
+            </a:r>
+            <a:r>
+              <a:rPr lang="en-US" dirty="0" smtClean="0"/>
+              <a:t> </a:t>
+            </a:r>
+            <a:r>
+              <a:rPr lang="en-US" dirty="0" err="1" smtClean="0"/>
+              <a:t>enum</a:t>
+            </a:r>
+            <a:r>
+              <a:rPr lang="en-US" dirty="0" smtClean="0"/>
+              <a:t> </a:t>
+            </a:r>
+            <a:r>
+              <a:rPr lang="en-US" dirty="0" err="1" smtClean="0"/>
+              <a:t>meerdere</a:t>
+            </a:r>
+            <a:r>
+              <a:rPr lang="en-US" dirty="0" smtClean="0"/>
+              <a:t> variables </a:t>
+            </a:r>
+            <a:r>
+              <a:rPr lang="en-US" dirty="0" err="1" smtClean="0"/>
+              <a:t>te</a:t>
+            </a:r>
+            <a:r>
+              <a:rPr lang="en-US" dirty="0" smtClean="0"/>
+              <a:t> </a:t>
+            </a:r>
+            <a:r>
+              <a:rPr lang="en-US" dirty="0" err="1" smtClean="0"/>
+              <a:t>combineren</a:t>
+            </a:r>
+            <a:r>
+              <a:rPr lang="en-US" dirty="0" smtClean="0"/>
+              <a:t>. </a:t>
+            </a:r>
+            <a:r>
+              <a:rPr lang="en-US" dirty="0" err="1" smtClean="0"/>
+              <a:t>Hierdoor</a:t>
+            </a:r>
+            <a:r>
+              <a:rPr lang="en-US" dirty="0" smtClean="0"/>
+              <a:t> </a:t>
+            </a:r>
+            <a:r>
+              <a:rPr lang="en-US" dirty="0" err="1" smtClean="0"/>
+              <a:t>kan</a:t>
+            </a:r>
+            <a:r>
+              <a:rPr lang="en-US" dirty="0" smtClean="0"/>
+              <a:t> </a:t>
+            </a:r>
+            <a:r>
+              <a:rPr lang="en-US" dirty="0" err="1" smtClean="0"/>
+              <a:t>een</a:t>
+            </a:r>
+            <a:r>
+              <a:rPr lang="en-US" dirty="0" smtClean="0"/>
+              <a:t> variable </a:t>
+            </a:r>
+            <a:r>
+              <a:rPr lang="en-US" dirty="0" err="1" smtClean="0"/>
+              <a:t>dus</a:t>
+            </a:r>
+            <a:r>
+              <a:rPr lang="en-US" dirty="0" smtClean="0"/>
+              <a:t> </a:t>
+            </a:r>
+            <a:r>
+              <a:rPr lang="en-US" dirty="0" err="1" smtClean="0"/>
+              <a:t>meerdere</a:t>
+            </a:r>
+            <a:r>
+              <a:rPr lang="en-US" dirty="0" smtClean="0"/>
+              <a:t> </a:t>
+            </a:r>
+            <a:r>
+              <a:rPr lang="en-US" dirty="0" err="1" smtClean="0"/>
+              <a:t>waardes</a:t>
+            </a:r>
+            <a:r>
+              <a:rPr lang="en-US" dirty="0" smtClean="0"/>
+              <a:t> </a:t>
+            </a:r>
+            <a:r>
+              <a:rPr lang="en-US" dirty="0" err="1" smtClean="0"/>
+              <a:t>zijn</a:t>
+            </a:r>
+            <a:r>
+              <a:rPr lang="en-US" dirty="0" smtClean="0"/>
+              <a:t>. </a:t>
+            </a:r>
+            <a:r>
+              <a:rPr lang="en-US" dirty="0" err="1" smtClean="0"/>
+              <a:t>Voorbeeld</a:t>
+            </a:r>
+            <a:r>
+              <a:rPr lang="en-US" dirty="0" smtClean="0"/>
+              <a:t>: </a:t>
+            </a:r>
+            <a:r>
+              <a:rPr lang="en-US" dirty="0" err="1" smtClean="0"/>
+              <a:t>wanneer</a:t>
+            </a:r>
+            <a:r>
+              <a:rPr lang="en-US" dirty="0" smtClean="0"/>
+              <a:t> het </a:t>
+            </a:r>
+            <a:r>
+              <a:rPr lang="en-US" dirty="0" err="1" smtClean="0"/>
+              <a:t>zaterdag</a:t>
+            </a:r>
+            <a:r>
+              <a:rPr lang="en-US" dirty="0" smtClean="0"/>
+              <a:t> is, is het </a:t>
+            </a:r>
+            <a:r>
+              <a:rPr lang="en-US" dirty="0" err="1" smtClean="0"/>
+              <a:t>ook</a:t>
+            </a:r>
+            <a:r>
+              <a:rPr lang="en-US" dirty="0" smtClean="0"/>
+              <a:t> weekend.</a:t>
+            </a:r>
+          </a:p>
+          <a:p>
+            <a:endParaRPr lang="en-US" sz="1800" dirty="0" smtClean="0"/>
+          </a:p>
+          <a:p>
+            <a:endParaRPr lang="en-US" sz="1800" i="1" dirty="0" smtClean="0">
+              <a:solidFill>
+                <a:schemeClr val="accent3">
+                  <a:lumMod val="75000"/>
+                </a:schemeClr>
+              </a:solidFill>
+            </a:endParaRPr>
+          </a:p>
+          <a:p>
+            <a:r>
+              <a:rPr lang="en-US" dirty="0" err="1" smtClean="0"/>
+              <a:t>Zoek</a:t>
+            </a:r>
+            <a:r>
+              <a:rPr lang="en-US" dirty="0" smtClean="0"/>
+              <a:t> </a:t>
+            </a:r>
+            <a:r>
+              <a:rPr lang="en-US" dirty="0" err="1" smtClean="0"/>
+              <a:t>uit</a:t>
+            </a:r>
+            <a:r>
+              <a:rPr lang="en-US" dirty="0" smtClean="0"/>
+              <a:t> hoe </a:t>
+            </a:r>
+            <a:r>
+              <a:rPr lang="en-US" dirty="0" err="1" smtClean="0"/>
+              <a:t>dit</a:t>
+            </a:r>
+            <a:r>
+              <a:rPr lang="en-US" dirty="0" smtClean="0"/>
+              <a:t> </a:t>
+            </a:r>
+            <a:r>
+              <a:rPr lang="en-US" dirty="0" err="1" smtClean="0"/>
+              <a:t>werkt</a:t>
+            </a:r>
+            <a:r>
+              <a:rPr lang="en-US" dirty="0" smtClean="0"/>
+              <a:t> </a:t>
+            </a:r>
+            <a:r>
+              <a:rPr lang="en-US" dirty="0" err="1" smtClean="0"/>
+              <a:t>en</a:t>
+            </a:r>
+            <a:r>
+              <a:rPr lang="en-US" dirty="0" smtClean="0"/>
+              <a:t> pas </a:t>
+            </a:r>
+            <a:r>
+              <a:rPr lang="en-US" dirty="0" err="1" smtClean="0"/>
+              <a:t>dit</a:t>
+            </a:r>
+            <a:r>
+              <a:rPr lang="en-US" dirty="0" smtClean="0"/>
+              <a:t> toe op je code van </a:t>
+            </a:r>
+            <a:r>
+              <a:rPr lang="en-US" dirty="0" err="1" smtClean="0"/>
+              <a:t>opdracht</a:t>
+            </a:r>
+            <a:r>
+              <a:rPr lang="en-US" dirty="0" smtClean="0"/>
+              <a:t> 1</a:t>
+            </a:r>
+          </a:p>
+          <a:p>
+            <a:r>
+              <a:rPr lang="en-US" dirty="0" err="1" smtClean="0"/>
+              <a:t>Uiteindelijk</a:t>
+            </a:r>
+            <a:r>
+              <a:rPr lang="en-US" dirty="0" smtClean="0"/>
+              <a:t> </a:t>
+            </a:r>
+            <a:r>
+              <a:rPr lang="en-US" dirty="0" err="1" smtClean="0"/>
+              <a:t>moet</a:t>
+            </a:r>
+            <a:r>
+              <a:rPr lang="en-US" dirty="0" smtClean="0"/>
+              <a:t> je code de dag </a:t>
+            </a:r>
+            <a:r>
+              <a:rPr lang="en-US" dirty="0" err="1" smtClean="0"/>
+              <a:t>en</a:t>
+            </a:r>
+            <a:r>
+              <a:rPr lang="en-US" dirty="0" smtClean="0"/>
+              <a:t> of </a:t>
+            </a:r>
+            <a:r>
+              <a:rPr lang="en-US" dirty="0" err="1" smtClean="0"/>
+              <a:t>dit</a:t>
+            </a:r>
+            <a:r>
+              <a:rPr lang="en-US" dirty="0" smtClean="0"/>
+              <a:t> weekend is of </a:t>
+            </a:r>
+            <a:r>
+              <a:rPr lang="en-US" dirty="0" err="1" smtClean="0"/>
+              <a:t>niet</a:t>
+            </a:r>
+            <a:r>
+              <a:rPr lang="en-US" dirty="0" smtClean="0"/>
+              <a:t> </a:t>
+            </a:r>
+            <a:r>
+              <a:rPr lang="en-US" dirty="0" err="1" smtClean="0"/>
+              <a:t>Debug.Log’gen</a:t>
+            </a:r>
+            <a:endParaRPr lang="en-US" dirty="0"/>
+          </a:p>
+          <a:p>
+            <a:pPr marL="0" indent="0">
+              <a:buNone/>
+            </a:pPr>
+            <a:endParaRPr lang="en-US" dirty="0"/>
+          </a:p>
+        </p:txBody>
+      </p:sp>
+    </p:spTree>
+    <p:extLst>
+      <p:ext uri="{BB962C8B-B14F-4D97-AF65-F5344CB8AC3E}">
+        <p14:creationId xmlns:p14="http://schemas.microsoft.com/office/powerpoint/2010/main" val="1416463042"/>
       </p:ext>
     </p:extLst>
   </p:cSld>
